--- a/Presentations/2015-12-Sydney/AHG UML BP Sydney Meeting.pptx
+++ b/Presentations/2015-12-Sydney/AHG UML BP Sydney Meeting.pptx
@@ -5,7 +5,7 @@
     <p:sldMasterId id="2147483648" r:id="rId1"/>
   </p:sldMasterIdLst>
   <p:notesMasterIdLst>
-    <p:notesMasterId r:id="rId9"/>
+    <p:notesMasterId r:id="rId11"/>
   </p:notesMasterIdLst>
   <p:sldIdLst>
     <p:sldId id="256" r:id="rId2"/>
@@ -13,8 +13,10 @@
     <p:sldId id="262" r:id="rId4"/>
     <p:sldId id="261" r:id="rId5"/>
     <p:sldId id="259" r:id="rId6"/>
-    <p:sldId id="263" r:id="rId7"/>
-    <p:sldId id="260" r:id="rId8"/>
+    <p:sldId id="264" r:id="rId7"/>
+    <p:sldId id="265" r:id="rId8"/>
+    <p:sldId id="263" r:id="rId9"/>
+    <p:sldId id="260" r:id="rId10"/>
   </p:sldIdLst>
   <p:sldSz cx="9144000" cy="6858000" type="screen4x3"/>
   <p:notesSz cx="6858000" cy="9144000"/>
@@ -1047,14 +1049,14 @@
           </a:ln>
           <a:extLst>
             <a:ext uri="{909E8E84-426E-40dd-AFC4-6F175D3DCCD1}">
-              <a14:hiddenFill xmlns="" xmlns:a14="http://schemas.microsoft.com/office/drawing/2010/main">
+              <a14:hiddenFill xmlns:a14="http://schemas.microsoft.com/office/drawing/2010/main" xmlns="">
                 <a:solidFill>
                   <a:srgbClr val="FFFFFF"/>
                 </a:solidFill>
               </a14:hiddenFill>
             </a:ext>
             <a:ext uri="{91240B29-F687-4f45-9708-019B960494DF}">
-              <a14:hiddenLine xmlns="" xmlns:a14="http://schemas.microsoft.com/office/drawing/2010/main" w="9525">
+              <a14:hiddenLine xmlns:a14="http://schemas.microsoft.com/office/drawing/2010/main" xmlns="" w="9525">
                 <a:solidFill>
                   <a:srgbClr val="000000"/>
                 </a:solidFill>
@@ -1922,14 +1924,14 @@
           </a:ln>
           <a:extLst>
             <a:ext uri="{909E8E84-426E-40dd-AFC4-6F175D3DCCD1}">
-              <a14:hiddenFill xmlns="" xmlns:a14="http://schemas.microsoft.com/office/drawing/2010/main">
+              <a14:hiddenFill xmlns:a14="http://schemas.microsoft.com/office/drawing/2010/main" xmlns="">
                 <a:solidFill>
                   <a:srgbClr val="FFFFFF"/>
                 </a:solidFill>
               </a14:hiddenFill>
             </a:ext>
             <a:ext uri="{91240B29-F687-4f45-9708-019B960494DF}">
-              <a14:hiddenLine xmlns="" xmlns:a14="http://schemas.microsoft.com/office/drawing/2010/main" w="9525">
+              <a14:hiddenLine xmlns:a14="http://schemas.microsoft.com/office/drawing/2010/main" xmlns="" w="9525">
                 <a:solidFill>
                   <a:srgbClr val="000000"/>
                 </a:solidFill>
@@ -1981,14 +1983,14 @@
           </a:ln>
           <a:extLst>
             <a:ext uri="{909E8E84-426E-40dd-AFC4-6F175D3DCCD1}">
-              <a14:hiddenFill xmlns="" xmlns:a14="http://schemas.microsoft.com/office/drawing/2010/main">
+              <a14:hiddenFill xmlns:a14="http://schemas.microsoft.com/office/drawing/2010/main" xmlns="">
                 <a:solidFill>
                   <a:srgbClr val="FFFFFF"/>
                 </a:solidFill>
               </a14:hiddenFill>
             </a:ext>
             <a:ext uri="{91240B29-F687-4f45-9708-019B960494DF}">
-              <a14:hiddenLine xmlns="" xmlns:a14="http://schemas.microsoft.com/office/drawing/2010/main" w="9525">
+              <a14:hiddenLine xmlns:a14="http://schemas.microsoft.com/office/drawing/2010/main" xmlns="" w="9525">
                 <a:solidFill>
                   <a:srgbClr val="000000"/>
                 </a:solidFill>
@@ -2240,14 +2242,14 @@
           </a:ln>
           <a:extLst>
             <a:ext uri="{909E8E84-426E-40dd-AFC4-6F175D3DCCD1}">
-              <a14:hiddenFill xmlns="" xmlns:a14="http://schemas.microsoft.com/office/drawing/2010/main">
+              <a14:hiddenFill xmlns:a14="http://schemas.microsoft.com/office/drawing/2010/main" xmlns="">
                 <a:solidFill>
                   <a:srgbClr val="FFFFFF"/>
                 </a:solidFill>
               </a14:hiddenFill>
             </a:ext>
             <a:ext uri="{91240B29-F687-4f45-9708-019B960494DF}">
-              <a14:hiddenLine xmlns="" xmlns:a14="http://schemas.microsoft.com/office/drawing/2010/main" w="9525">
+              <a14:hiddenLine xmlns:a14="http://schemas.microsoft.com/office/drawing/2010/main" xmlns="" w="9525">
                 <a:solidFill>
                   <a:srgbClr val="000000"/>
                 </a:solidFill>
@@ -5241,29 +5243,89 @@
           <a:p>
             <a:r>
               <a:rPr lang="nb-NO" dirty="0" smtClean="0"/>
-              <a:t>Morten </a:t>
+              <a:t>Morten Borrebæ</a:t>
             </a:r>
             <a:r>
               <a:rPr lang="nb-NO" dirty="0" smtClean="0"/>
-              <a:t>– </a:t>
-            </a:r>
+              <a:t>k</a:t>
+            </a:r>
+          </a:p>
+          <a:p>
+            <a:pPr lvl="1"/>
             <a:r>
               <a:rPr lang="nb-NO" dirty="0" err="1" smtClean="0"/>
-              <a:t>Documentation</a:t>
+              <a:t>Automated</a:t>
+            </a:r>
+            <a:r>
+              <a:rPr lang="nb-NO" dirty="0" smtClean="0"/>
+              <a:t> </a:t>
+            </a:r>
+            <a:r>
+              <a:rPr lang="nb-NO" dirty="0" err="1" smtClean="0"/>
+              <a:t>documentation</a:t>
             </a:r>
             <a:endParaRPr lang="nb-NO" dirty="0" smtClean="0"/>
           </a:p>
           <a:p>
             <a:r>
               <a:rPr lang="nb-NO" dirty="0" smtClean="0"/>
-              <a:t>Roland – Associations</a:t>
-            </a:r>
-          </a:p>
-          <a:p>
+              <a:t>Roland </a:t>
+            </a:r>
+            <a:r>
+              <a:rPr lang="nb-NO" dirty="0" err="1" smtClean="0"/>
+              <a:t>Grillmayer</a:t>
+            </a:r>
             <a:r>
               <a:rPr lang="nb-NO" dirty="0" smtClean="0"/>
-              <a:t>Anthony – IHO – </a:t>
-            </a:r>
+              <a:t> </a:t>
+            </a:r>
+          </a:p>
+          <a:p>
+            <a:pPr lvl="1"/>
+            <a:r>
+              <a:rPr lang="en-US" dirty="0"/>
+              <a:t>Modelling </a:t>
+            </a:r>
+            <a:r>
+              <a:rPr lang="en-US" dirty="0" smtClean="0"/>
+              <a:t>relationships</a:t>
+            </a:r>
+          </a:p>
+          <a:p>
+            <a:pPr lvl="1"/>
+            <a:r>
+              <a:rPr lang="en-US" dirty="0" smtClean="0"/>
+              <a:t>Geometry constrains</a:t>
+            </a:r>
+          </a:p>
+          <a:p>
+            <a:pPr lvl="1"/>
+            <a:r>
+              <a:rPr lang="en-US" dirty="0" smtClean="0"/>
+              <a:t>Voidable </a:t>
+            </a:r>
+            <a:r>
+              <a:rPr lang="en-US" dirty="0"/>
+              <a:t>&amp; </a:t>
+            </a:r>
+            <a:r>
+              <a:rPr lang="en-US" dirty="0" smtClean="0"/>
+              <a:t>multiplicity</a:t>
+            </a:r>
+          </a:p>
+          <a:p>
+            <a:r>
+              <a:rPr lang="nb-NO" dirty="0" smtClean="0"/>
+              <a:t>Anthony </a:t>
+            </a:r>
+            <a:r>
+              <a:rPr lang="nb-NO" dirty="0" smtClean="0"/>
+              <a:t>– IHO </a:t>
+            </a:r>
+            <a:endParaRPr lang="nb-NO" dirty="0" smtClean="0"/>
+          </a:p>
+          <a:p>
+            <a:pPr lvl="1"/>
             <a:r>
               <a:rPr lang="nb-NO" dirty="0" err="1" smtClean="0"/>
               <a:t>Backwards</a:t>
@@ -5278,35 +5340,345 @@
             </a:r>
             <a:endParaRPr lang="nb-NO" dirty="0" smtClean="0"/>
           </a:p>
-          <a:p>
+        </p:txBody>
+      </p:sp>
+      <p:sp>
+        <p:nvSpPr>
+          <p:cNvPr id="3" name="Tittel 2"/>
+          <p:cNvSpPr>
+            <a:spLocks noGrp="1"/>
+          </p:cNvSpPr>
+          <p:nvPr>
+            <p:ph type="title"/>
+          </p:nvPr>
+        </p:nvSpPr>
+        <p:spPr/>
+        <p:txBody>
+          <a:bodyPr/>
+          <a:lstStyle/>
+          <a:p>
+            <a:r>
+              <a:rPr lang="nb-NO" dirty="0" err="1" smtClean="0"/>
+              <a:t>Issues</a:t>
+            </a:r>
+            <a:r>
+              <a:rPr lang="nb-NO" dirty="0" smtClean="0"/>
+              <a:t> for </a:t>
+            </a:r>
+            <a:r>
+              <a:rPr lang="nb-NO" dirty="0" err="1" smtClean="0"/>
+              <a:t>discussion</a:t>
+            </a:r>
+            <a:endParaRPr lang="nb-NO" dirty="0"/>
+          </a:p>
+        </p:txBody>
+      </p:sp>
+    </p:spTree>
+    <p:extLst>
+      <p:ext uri="{BB962C8B-B14F-4D97-AF65-F5344CB8AC3E}">
+        <p14:creationId xmlns:p14="http://schemas.microsoft.com/office/powerpoint/2010/main" val="363005173"/>
+      </p:ext>
+    </p:extLst>
+  </p:cSld>
+  <p:clrMapOvr>
+    <a:masterClrMapping/>
+  </p:clrMapOvr>
+  <p:timing>
+    <p:tnLst>
+      <p:par>
+        <p:cTn id="1" dur="indefinite" restart="never" nodeType="tmRoot"/>
+      </p:par>
+    </p:tnLst>
+  </p:timing>
+</p:sld>
+</file>
+
+<file path=ppt/slides/slide7.xml><?xml version="1.0" encoding="utf-8"?>
+<p:sld xmlns:a="http://schemas.openxmlformats.org/drawingml/2006/main" xmlns:r="http://schemas.openxmlformats.org/officeDocument/2006/relationships" xmlns:p="http://schemas.openxmlformats.org/presentationml/2006/main">
+  <p:cSld>
+    <p:spTree>
+      <p:nvGrpSpPr>
+        <p:cNvPr id="1" name=""/>
+        <p:cNvGrpSpPr/>
+        <p:nvPr/>
+      </p:nvGrpSpPr>
+      <p:grpSpPr>
+        <a:xfrm>
+          <a:off x="0" y="0"/>
+          <a:ext cx="0" cy="0"/>
+          <a:chOff x="0" y="0"/>
+          <a:chExt cx="0" cy="0"/>
+        </a:xfrm>
+      </p:grpSpPr>
+      <p:sp>
+        <p:nvSpPr>
+          <p:cNvPr id="2" name="Plassholder for innhold 1"/>
+          <p:cNvSpPr>
+            <a:spLocks noGrp="1"/>
+          </p:cNvSpPr>
+          <p:nvPr>
+            <p:ph idx="1"/>
+          </p:nvPr>
+        </p:nvSpPr>
+        <p:spPr>
+          <a:xfrm>
+            <a:off x="457200" y="1101012"/>
+            <a:ext cx="8229600" cy="5025151"/>
+          </a:xfrm>
+        </p:spPr>
+        <p:txBody>
+          <a:bodyPr/>
+          <a:lstStyle/>
+          <a:p>
+            <a:r>
+              <a:rPr lang="en-US" sz="2000" dirty="0" smtClean="0"/>
+              <a:t>Scripts</a:t>
+            </a:r>
+          </a:p>
+          <a:p>
+            <a:pPr lvl="1"/>
+            <a:r>
+              <a:rPr lang="en-US" sz="1800" dirty="0" smtClean="0"/>
+              <a:t>Naming </a:t>
+            </a:r>
+            <a:r>
+              <a:rPr lang="en-US" sz="1800" dirty="0"/>
+              <a:t>conventions for scripts.</a:t>
+            </a:r>
+          </a:p>
+          <a:p>
+            <a:pPr lvl="1"/>
+            <a:r>
+              <a:rPr lang="en-US" sz="1800" dirty="0" smtClean="0"/>
+              <a:t>Sample </a:t>
+            </a:r>
+            <a:r>
+              <a:rPr lang="en-US" sz="1800" dirty="0"/>
+              <a:t>scripts in models, to see workflows and how they influence with the models. </a:t>
+            </a:r>
+            <a:endParaRPr lang="en-US" sz="1800" dirty="0" smtClean="0"/>
+          </a:p>
+          <a:p>
+            <a:pPr lvl="1"/>
+            <a:r>
+              <a:rPr lang="en-US" sz="1800" dirty="0"/>
+              <a:t>Script for multilingual names </a:t>
+            </a:r>
+          </a:p>
+          <a:p>
+            <a:pPr lvl="1"/>
+            <a:r>
+              <a:rPr lang="en-US" sz="1800" dirty="0" smtClean="0"/>
+              <a:t>Links to GOM Scripts</a:t>
+            </a:r>
+          </a:p>
+          <a:p>
+            <a:pPr lvl="1"/>
+            <a:r>
+              <a:rPr lang="en-US" sz="1800" dirty="0" smtClean="0"/>
+              <a:t>Scripts for definition import/export</a:t>
+            </a:r>
+          </a:p>
+          <a:p>
+            <a:pPr lvl="1"/>
+            <a:r>
+              <a:rPr lang="en-US" sz="1800" dirty="0" smtClean="0"/>
+              <a:t>Group of scripts for model validation</a:t>
+            </a:r>
+          </a:p>
+          <a:p>
+            <a:r>
+              <a:rPr lang="en-US" sz="2000" dirty="0" smtClean="0"/>
+              <a:t>References </a:t>
+            </a:r>
+            <a:r>
+              <a:rPr lang="en-US" sz="2000" dirty="0"/>
+              <a:t>to the XML and GOM Wikis </a:t>
+            </a:r>
+          </a:p>
+          <a:p>
+            <a:r>
+              <a:rPr lang="en-US" sz="2000" dirty="0" smtClean="0"/>
+              <a:t>Composition </a:t>
+            </a:r>
+            <a:r>
+              <a:rPr lang="en-US" sz="2000" dirty="0"/>
+              <a:t>vs association</a:t>
+            </a:r>
+          </a:p>
+          <a:p>
+            <a:r>
+              <a:rPr lang="en-US" sz="2000" dirty="0"/>
+              <a:t>Geometry constraints</a:t>
+            </a:r>
+          </a:p>
+          <a:p>
+            <a:r>
+              <a:rPr lang="en-US" sz="2000" dirty="0"/>
+              <a:t>Voidable</a:t>
+            </a:r>
+          </a:p>
+          <a:p>
+            <a:r>
+              <a:rPr lang="en-US" sz="2000" dirty="0" smtClean="0"/>
+              <a:t>Versions</a:t>
+            </a:r>
+          </a:p>
+          <a:p>
+            <a:pPr lvl="1"/>
+            <a:r>
+              <a:rPr lang="en-US" sz="1800" dirty="0" smtClean="0"/>
+              <a:t>Adjust </a:t>
+            </a:r>
+            <a:r>
+              <a:rPr lang="en-US" sz="1800" dirty="0"/>
+              <a:t>to fit for national models too</a:t>
+            </a:r>
+            <a:r>
+              <a:rPr lang="en-US" sz="1800" dirty="0" smtClean="0"/>
+              <a:t>.</a:t>
+            </a:r>
+          </a:p>
+          <a:p>
+            <a:pPr lvl="1"/>
+            <a:r>
+              <a:rPr lang="en-US" sz="1800" dirty="0" smtClean="0"/>
+              <a:t>Need </a:t>
+            </a:r>
+            <a:r>
+              <a:rPr lang="en-US" sz="1800" dirty="0"/>
+              <a:t>a status </a:t>
+            </a:r>
+            <a:r>
+              <a:rPr lang="en-US" sz="1800" dirty="0" smtClean="0"/>
+              <a:t>“withdrawn“, “replaced” </a:t>
+            </a:r>
+            <a:r>
+              <a:rPr lang="en-US" sz="1800" dirty="0"/>
+              <a:t>or similar? </a:t>
+            </a:r>
+            <a:endParaRPr lang="en-US" sz="1800" dirty="0" smtClean="0"/>
+          </a:p>
+          <a:p>
+            <a:r>
+              <a:rPr lang="en-US" sz="2000" dirty="0"/>
+              <a:t>Package </a:t>
+            </a:r>
+            <a:r>
+              <a:rPr lang="en-US" sz="2000" dirty="0" smtClean="0"/>
+              <a:t>structure</a:t>
+            </a:r>
+          </a:p>
+          <a:p>
+            <a:r>
+              <a:rPr lang="en-US" sz="2000" dirty="0" smtClean="0"/>
+              <a:t>Illustrating changes between versions</a:t>
+            </a:r>
+            <a:endParaRPr lang="en-US" sz="2000" dirty="0"/>
+          </a:p>
+          <a:p>
+            <a:endParaRPr lang="nb-NO" sz="2000" dirty="0"/>
+          </a:p>
+        </p:txBody>
+      </p:sp>
+      <p:sp>
+        <p:nvSpPr>
+          <p:cNvPr id="3" name="Tittel 2"/>
+          <p:cNvSpPr>
+            <a:spLocks noGrp="1"/>
+          </p:cNvSpPr>
+          <p:nvPr>
+            <p:ph type="title"/>
+          </p:nvPr>
+        </p:nvSpPr>
+        <p:spPr/>
+        <p:txBody>
+          <a:bodyPr/>
+          <a:lstStyle/>
+          <a:p>
+            <a:r>
+              <a:rPr lang="nb-NO" dirty="0" smtClean="0"/>
+              <a:t>New UML BP </a:t>
+            </a:r>
+            <a:r>
+              <a:rPr lang="nb-NO" dirty="0" err="1" smtClean="0"/>
+              <a:t>issues</a:t>
+            </a:r>
+            <a:endParaRPr lang="nb-NO" dirty="0"/>
+          </a:p>
+        </p:txBody>
+      </p:sp>
+    </p:spTree>
+    <p:extLst>
+      <p:ext uri="{BB962C8B-B14F-4D97-AF65-F5344CB8AC3E}">
+        <p14:creationId xmlns:p14="http://schemas.microsoft.com/office/powerpoint/2010/main" val="2357190681"/>
+      </p:ext>
+    </p:extLst>
+  </p:cSld>
+  <p:clrMapOvr>
+    <a:masterClrMapping/>
+  </p:clrMapOvr>
+  <p:timing>
+    <p:tnLst>
+      <p:par>
+        <p:cTn id="1" dur="indefinite" restart="never" nodeType="tmRoot"/>
+      </p:par>
+    </p:tnLst>
+  </p:timing>
+</p:sld>
+</file>
+
+<file path=ppt/slides/slide8.xml><?xml version="1.0" encoding="utf-8"?>
+<p:sld xmlns:a="http://schemas.openxmlformats.org/drawingml/2006/main" xmlns:r="http://schemas.openxmlformats.org/officeDocument/2006/relationships" xmlns:p="http://schemas.openxmlformats.org/presentationml/2006/main">
+  <p:cSld>
+    <p:spTree>
+      <p:nvGrpSpPr>
+        <p:cNvPr id="1" name=""/>
+        <p:cNvGrpSpPr/>
+        <p:nvPr/>
+      </p:nvGrpSpPr>
+      <p:grpSpPr>
+        <a:xfrm>
+          <a:off x="0" y="0"/>
+          <a:ext cx="0" cy="0"/>
+          <a:chOff x="0" y="0"/>
+          <a:chExt cx="0" cy="0"/>
+        </a:xfrm>
+      </p:grpSpPr>
+      <p:sp>
+        <p:nvSpPr>
+          <p:cNvPr id="2" name="Plassholder for innhold 1"/>
+          <p:cNvSpPr>
+            <a:spLocks noGrp="1"/>
+          </p:cNvSpPr>
+          <p:nvPr>
+            <p:ph idx="1"/>
+          </p:nvPr>
+        </p:nvSpPr>
+        <p:spPr/>
+        <p:txBody>
+          <a:bodyPr/>
+          <a:lstStyle/>
+          <a:p>
+            <a:r>
+              <a:rPr lang="nb-NO" dirty="0" smtClean="0">
+                <a:hlinkClick r:id="rId2"/>
+              </a:rPr>
+              <a:t>https</a:t>
+            </a:r>
             <a:r>
               <a:rPr lang="nb-NO" dirty="0">
-                <a:hlinkClick r:id="rId3"/>
+                <a:hlinkClick r:id="rId2"/>
               </a:rPr>
-              <a:t>https://</a:t>
+              <a:t>://</a:t>
             </a:r>
             <a:r>
               <a:rPr lang="nb-NO" dirty="0" smtClean="0">
-                <a:hlinkClick r:id="rId3"/>
+                <a:hlinkClick r:id="rId2"/>
               </a:rPr>
               <a:t>github.com/ISO-TC211/UML-Best-Practices/issues</a:t>
             </a:r>
             <a:endParaRPr lang="nb-NO" dirty="0" smtClean="0"/>
-          </a:p>
-          <a:p>
-            <a:r>
-              <a:rPr lang="nb-NO" dirty="0" smtClean="0"/>
-              <a:t>New </a:t>
-            </a:r>
-            <a:r>
-              <a:rPr lang="nb-NO" dirty="0" err="1" smtClean="0"/>
-              <a:t>issues</a:t>
-            </a:r>
-            <a:r>
-              <a:rPr lang="nb-NO" dirty="0" smtClean="0"/>
-              <a:t>?</a:t>
-            </a:r>
-            <a:endParaRPr lang="nb-NO" dirty="0"/>
           </a:p>
         </p:txBody>
       </p:sp>
@@ -5361,7 +5733,7 @@
 </p:sld>
 </file>
 
-<file path=ppt/slides/slide7.xml><?xml version="1.0" encoding="utf-8"?>
+<file path=ppt/slides/slide9.xml><?xml version="1.0" encoding="utf-8"?>
 <p:sld xmlns:a="http://schemas.openxmlformats.org/drawingml/2006/main" xmlns:r="http://schemas.openxmlformats.org/officeDocument/2006/relationships" xmlns:p="http://schemas.openxmlformats.org/presentationml/2006/main">
   <p:cSld>
     <p:spTree>
@@ -5401,36 +5773,46 @@
           <a:lstStyle/>
           <a:p>
             <a:r>
-              <a:rPr lang="en-US" sz="2400" dirty="0"/>
+              <a:rPr lang="en-US" sz="2400" dirty="0" smtClean="0"/>
+              <a:t>Options:</a:t>
+            </a:r>
+          </a:p>
+          <a:p>
+            <a:pPr lvl="1"/>
+            <a:r>
+              <a:rPr lang="en-US" sz="2000" dirty="0" smtClean="0"/>
               <a:t>Continue </a:t>
             </a:r>
             <a:r>
+              <a:rPr lang="en-US" sz="2000" dirty="0"/>
+              <a:t>as AHG </a:t>
+            </a:r>
+          </a:p>
+          <a:p>
+            <a:pPr lvl="1"/>
+            <a:r>
+              <a:rPr lang="en-US" sz="2000" dirty="0"/>
+              <a:t>Merge into HMMG</a:t>
+            </a:r>
+          </a:p>
+          <a:p>
+            <a:pPr lvl="1"/>
+            <a:r>
+              <a:rPr lang="en-US" sz="2000" dirty="0"/>
+              <a:t>Create new permanent </a:t>
+            </a:r>
+            <a:r>
+              <a:rPr lang="en-US" sz="2000" dirty="0" smtClean="0"/>
+              <a:t>group, associated to HMMG</a:t>
+            </a:r>
+            <a:endParaRPr lang="en-US" sz="2000" dirty="0"/>
+          </a:p>
+          <a:p>
+            <a:r>
               <a:rPr lang="en-US" sz="2400" dirty="0" smtClean="0"/>
-              <a:t>as AHG up </a:t>
-            </a:r>
-            <a:r>
-              <a:rPr lang="en-US" sz="2400" dirty="0"/>
-              <a:t>to the next plenary </a:t>
-            </a:r>
-            <a:r>
-              <a:rPr lang="en-US" sz="2400" dirty="0" smtClean="0"/>
-              <a:t>(June 2016)</a:t>
-            </a:r>
-            <a:endParaRPr lang="en-US" sz="2400" dirty="0"/>
-          </a:p>
-          <a:p>
-            <a:r>
-              <a:rPr lang="en-US" sz="2400" dirty="0" smtClean="0"/>
-              <a:t>Adopt</a:t>
-            </a:r>
-            <a:r>
-              <a:rPr lang="en-US" sz="2400" dirty="0"/>
-              <a:t> into the </a:t>
-            </a:r>
-            <a:r>
-              <a:rPr lang="en-US" sz="2400" dirty="0" smtClean="0"/>
-              <a:t>HMMG</a:t>
-            </a:r>
+              <a:t>No matter what happens:</a:t>
+            </a:r>
+            <a:endParaRPr lang="en-US" sz="2400" dirty="0" smtClean="0"/>
           </a:p>
           <a:p>
             <a:pPr lvl="1"/>
